--- a/6.Crypto/Cryptology9-Digital-CertificatesPKI.pptx
+++ b/6.Crypto/Cryptology9-Digital-CertificatesPKI.pptx
@@ -216,7 +216,7 @@
           <a:p>
             <a:fld id="{0FBB2B09-09A1-420A-863F-C88E8594038B}" type="datetimeFigureOut">
               <a:rPr lang="en-US" smtClean="0"/>
-              <a:t>11/26/2020</a:t>
+              <a:t>3/8/2022</a:t>
             </a:fld>
             <a:endParaRPr lang="en-US"/>
           </a:p>
@@ -2558,7 +2558,7 @@
           <a:p>
             <a:fld id="{1451AC46-F7BF-44D3-9ECB-7DDAC9A69083}" type="datetimeFigureOut">
               <a:rPr lang="en-US" smtClean="0"/>
-              <a:t>11/26/2020</a:t>
+              <a:t>3/8/2022</a:t>
             </a:fld>
             <a:endParaRPr lang="en-US"/>
           </a:p>
@@ -2756,7 +2756,7 @@
           <a:p>
             <a:fld id="{1451AC46-F7BF-44D3-9ECB-7DDAC9A69083}" type="datetimeFigureOut">
               <a:rPr lang="en-US" smtClean="0"/>
-              <a:t>11/26/2020</a:t>
+              <a:t>3/8/2022</a:t>
             </a:fld>
             <a:endParaRPr lang="en-US"/>
           </a:p>
@@ -2964,7 +2964,7 @@
           <a:p>
             <a:fld id="{1451AC46-F7BF-44D3-9ECB-7DDAC9A69083}" type="datetimeFigureOut">
               <a:rPr lang="en-US" smtClean="0"/>
-              <a:t>11/26/2020</a:t>
+              <a:t>3/8/2022</a:t>
             </a:fld>
             <a:endParaRPr lang="en-US"/>
           </a:p>
@@ -3162,7 +3162,7 @@
           <a:p>
             <a:fld id="{1451AC46-F7BF-44D3-9ECB-7DDAC9A69083}" type="datetimeFigureOut">
               <a:rPr lang="en-US" smtClean="0"/>
-              <a:t>11/26/2020</a:t>
+              <a:t>3/8/2022</a:t>
             </a:fld>
             <a:endParaRPr lang="en-US"/>
           </a:p>
@@ -3437,7 +3437,7 @@
           <a:p>
             <a:fld id="{1451AC46-F7BF-44D3-9ECB-7DDAC9A69083}" type="datetimeFigureOut">
               <a:rPr lang="en-US" smtClean="0"/>
-              <a:t>11/26/2020</a:t>
+              <a:t>3/8/2022</a:t>
             </a:fld>
             <a:endParaRPr lang="en-US"/>
           </a:p>
@@ -3702,7 +3702,7 @@
           <a:p>
             <a:fld id="{1451AC46-F7BF-44D3-9ECB-7DDAC9A69083}" type="datetimeFigureOut">
               <a:rPr lang="en-US" smtClean="0"/>
-              <a:t>11/26/2020</a:t>
+              <a:t>3/8/2022</a:t>
             </a:fld>
             <a:endParaRPr lang="en-US"/>
           </a:p>
@@ -4114,7 +4114,7 @@
           <a:p>
             <a:fld id="{1451AC46-F7BF-44D3-9ECB-7DDAC9A69083}" type="datetimeFigureOut">
               <a:rPr lang="en-US" smtClean="0"/>
-              <a:t>11/26/2020</a:t>
+              <a:t>3/8/2022</a:t>
             </a:fld>
             <a:endParaRPr lang="en-US"/>
           </a:p>
@@ -4255,7 +4255,7 @@
           <a:p>
             <a:fld id="{1451AC46-F7BF-44D3-9ECB-7DDAC9A69083}" type="datetimeFigureOut">
               <a:rPr lang="en-US" smtClean="0"/>
-              <a:t>11/26/2020</a:t>
+              <a:t>3/8/2022</a:t>
             </a:fld>
             <a:endParaRPr lang="en-US"/>
           </a:p>
@@ -4368,7 +4368,7 @@
           <a:p>
             <a:fld id="{1451AC46-F7BF-44D3-9ECB-7DDAC9A69083}" type="datetimeFigureOut">
               <a:rPr lang="en-US" smtClean="0"/>
-              <a:t>11/26/2020</a:t>
+              <a:t>3/8/2022</a:t>
             </a:fld>
             <a:endParaRPr lang="en-US"/>
           </a:p>
@@ -4679,7 +4679,7 @@
           <a:p>
             <a:fld id="{1451AC46-F7BF-44D3-9ECB-7DDAC9A69083}" type="datetimeFigureOut">
               <a:rPr lang="en-US" smtClean="0"/>
-              <a:t>11/26/2020</a:t>
+              <a:t>3/8/2022</a:t>
             </a:fld>
             <a:endParaRPr lang="en-US"/>
           </a:p>
@@ -4967,7 +4967,7 @@
           <a:p>
             <a:fld id="{1451AC46-F7BF-44D3-9ECB-7DDAC9A69083}" type="datetimeFigureOut">
               <a:rPr lang="en-US" smtClean="0"/>
-              <a:t>11/26/2020</a:t>
+              <a:t>3/8/2022</a:t>
             </a:fld>
             <a:endParaRPr lang="en-US"/>
           </a:p>
@@ -5208,7 +5208,7 @@
           <a:p>
             <a:fld id="{1451AC46-F7BF-44D3-9ECB-7DDAC9A69083}" type="datetimeFigureOut">
               <a:rPr lang="en-US" smtClean="0"/>
-              <a:t>11/26/2020</a:t>
+              <a:t>3/8/2022</a:t>
             </a:fld>
             <a:endParaRPr lang="en-US"/>
           </a:p>
@@ -7629,7 +7629,7 @@
         <p:spPr/>
         <p:txBody>
           <a:bodyPr>
-            <a:normAutofit fontScale="92500" lnSpcReduction="20000"/>
+            <a:normAutofit/>
           </a:bodyPr>
           <a:lstStyle/>
           <a:p>
@@ -7660,29 +7660,10 @@
           </a:p>
           <a:p>
             <a:r>
-              <a:rPr lang="en-US" dirty="0"/>
-              <a:t>Extended Validation (EV) Certificate</a:t>
-            </a:r>
-          </a:p>
-          <a:p>
-            <a:pPr lvl="1"/>
-            <a:r>
-              <a:rPr lang="en-US" dirty="0"/>
-              <a:t>CA charges more to do what it is supposed to do, above</a:t>
-            </a:r>
-          </a:p>
-          <a:p>
-            <a:pPr lvl="1"/>
-            <a:r>
-              <a:rPr lang="en-US" dirty="0"/>
-              <a:t>Browsers used to display green icon for EV certs, but no more</a:t>
-            </a:r>
-          </a:p>
-          <a:p>
-            <a:r>
-              <a:rPr lang="en-US" dirty="0"/>
+              <a:rPr lang="en-US"/>
               <a:t>Advantage</a:t>
             </a:r>
+            <a:endParaRPr lang="en-US" dirty="0"/>
           </a:p>
           <a:p>
             <a:pPr lvl="1"/>
